--- a/docs/tbz-AP15a-M306-product-pitch.pptx
+++ b/docs/tbz-AP15a-M306-product-pitch.pptx
@@ -6,14 +6,15 @@
   </p:sldMasterIdLst>
   <p:sldIdLst>
     <p:sldId id="256" r:id="rId2"/>
-    <p:sldId id="257" r:id="rId3"/>
-    <p:sldId id="259" r:id="rId4"/>
-    <p:sldId id="260" r:id="rId5"/>
-    <p:sldId id="258" r:id="rId6"/>
-    <p:sldId id="262" r:id="rId7"/>
-    <p:sldId id="263" r:id="rId8"/>
-    <p:sldId id="264" r:id="rId9"/>
-    <p:sldId id="261" r:id="rId10"/>
+    <p:sldId id="265" r:id="rId3"/>
+    <p:sldId id="257" r:id="rId4"/>
+    <p:sldId id="259" r:id="rId5"/>
+    <p:sldId id="260" r:id="rId6"/>
+    <p:sldId id="258" r:id="rId7"/>
+    <p:sldId id="262" r:id="rId8"/>
+    <p:sldId id="263" r:id="rId9"/>
+    <p:sldId id="264" r:id="rId10"/>
+    <p:sldId id="261" r:id="rId11"/>
   </p:sldIdLst>
   <p:sldSz cx="12192000" cy="6858000"/>
   <p:notesSz cx="6858000" cy="9144000"/>
@@ -112,6 +113,11 @@
       </a:defRPr>
     </a:lvl9pPr>
   </p:defaultTextStyle>
+  <p:extLst>
+    <p:ext uri="{EFAFB233-063F-42B5-8137-9DF3F51BA10A}">
+      <p15:sldGuideLst xmlns:p15="http://schemas.microsoft.com/office/powerpoint/2012/main"/>
+    </p:ext>
+  </p:extLst>
 </p:presentation>
 </file>
 
@@ -282,7 +288,7 @@
           <a:p>
             <a:fld id="{1160EA64-D806-43AC-9DF2-F8C432F32B4C}" type="datetimeFigureOut">
               <a:rPr lang="en-US" dirty="0"/>
-              <a:t>2017-09-18</a:t>
+              <a:t>2017-11-06</a:t>
             </a:fld>
             <a:endParaRPr lang="en-US" dirty="0"/>
           </a:p>
@@ -448,7 +454,7 @@
           <a:p>
             <a:fld id="{E9F9C37B-1D36-470B-8223-D6C91242EC14}" type="datetimeFigureOut">
               <a:rPr lang="en-US" dirty="0"/>
-              <a:t>2017-09-18</a:t>
+              <a:t>2017-11-06</a:t>
             </a:fld>
             <a:endParaRPr lang="en-US" dirty="0"/>
           </a:p>
@@ -623,7 +629,7 @@
           <a:p>
             <a:fld id="{67C6F52A-A82B-47A2-A83A-8C4C91F2D59F}" type="datetimeFigureOut">
               <a:rPr lang="en-US" dirty="0"/>
-              <a:t>2017-09-18</a:t>
+              <a:t>2017-11-06</a:t>
             </a:fld>
             <a:endParaRPr lang="en-US" dirty="0"/>
           </a:p>
@@ -788,7 +794,7 @@
           <a:p>
             <a:fld id="{F070A7B3-6521-4DCA-87E5-044747A908C1}" type="datetimeFigureOut">
               <a:rPr lang="en-US" dirty="0"/>
-              <a:t>2017-09-18</a:t>
+              <a:t>2017-11-06</a:t>
             </a:fld>
             <a:endParaRPr lang="en-US" dirty="0"/>
           </a:p>
@@ -1052,7 +1058,7 @@
           <a:p>
             <a:fld id="{1160EA64-D806-43AC-9DF2-F8C432F32B4C}" type="datetimeFigureOut">
               <a:rPr lang="en-US" dirty="0"/>
-              <a:t>2017-09-18</a:t>
+              <a:t>2017-11-06</a:t>
             </a:fld>
             <a:endParaRPr lang="en-US" dirty="0"/>
           </a:p>
@@ -1280,7 +1286,7 @@
           <a:p>
             <a:fld id="{AB134690-1557-4C89-A502-4959FE7FAD70}" type="datetimeFigureOut">
               <a:rPr lang="en-US" dirty="0"/>
-              <a:t>2017-09-18</a:t>
+              <a:t>2017-11-06</a:t>
             </a:fld>
             <a:endParaRPr lang="en-US" dirty="0"/>
           </a:p>
@@ -1634,7 +1640,7 @@
           <a:p>
             <a:fld id="{4F7D4976-E339-4826-83B7-FBD03F55ECF8}" type="datetimeFigureOut">
               <a:rPr lang="en-US" dirty="0"/>
-              <a:t>2017-09-18</a:t>
+              <a:t>2017-11-06</a:t>
             </a:fld>
             <a:endParaRPr lang="en-US" dirty="0"/>
           </a:p>
@@ -1770,7 +1776,7 @@
           <a:p>
             <a:fld id="{E1037C31-9E7A-4F99-8774-A0E530DE1A42}" type="datetimeFigureOut">
               <a:rPr lang="en-US" dirty="0"/>
-              <a:t>2017-09-18</a:t>
+              <a:t>2017-11-06</a:t>
             </a:fld>
             <a:endParaRPr lang="en-US" dirty="0"/>
           </a:p>
@@ -1860,7 +1866,7 @@
           <a:p>
             <a:fld id="{C278504F-A551-4DE0-9316-4DCD1D8CC752}" type="datetimeFigureOut">
               <a:rPr lang="en-US" dirty="0"/>
-              <a:t>2017-09-18</a:t>
+              <a:t>2017-11-06</a:t>
             </a:fld>
             <a:endParaRPr lang="en-US" dirty="0"/>
           </a:p>
@@ -2212,7 +2218,7 @@
           <a:p>
             <a:fld id="{D1BE4249-C0D0-4B06-8692-E8BB871AF643}" type="datetimeFigureOut">
               <a:rPr lang="en-US" dirty="0"/>
-              <a:t>2017-09-18</a:t>
+              <a:t>2017-11-06</a:t>
             </a:fld>
             <a:endParaRPr lang="en-US" dirty="0"/>
           </a:p>
@@ -2564,7 +2570,7 @@
           <a:p>
             <a:fld id="{042B0DB6-F5C7-45FB-8CF3-31B45F9C2DAC}" type="datetimeFigureOut">
               <a:rPr lang="en-US" dirty="0"/>
-              <a:t>2017-09-18</a:t>
+              <a:t>2017-11-06</a:t>
             </a:fld>
             <a:endParaRPr lang="en-US" dirty="0"/>
           </a:p>
@@ -2800,7 +2806,7 @@
           <a:p>
             <a:fld id="{1160EA64-D806-43AC-9DF2-F8C432F32B4C}" type="datetimeFigureOut">
               <a:rPr lang="en-US" dirty="0"/>
-              <a:t>2017-09-18</a:t>
+              <a:t>2017-11-06</a:t>
             </a:fld>
             <a:endParaRPr lang="en-US" dirty="0"/>
           </a:p>
@@ -3318,6 +3324,136 @@
 </p:sld>
 </file>
 
+<file path=ppt/slides/slide10.xml><?xml version="1.0" encoding="utf-8"?>
+<p:sld xmlns:a="http://schemas.openxmlformats.org/drawingml/2006/main" xmlns:r="http://schemas.openxmlformats.org/officeDocument/2006/relationships" xmlns:p="http://schemas.openxmlformats.org/presentationml/2006/main">
+  <p:cSld>
+    <p:spTree>
+      <p:nvGrpSpPr>
+        <p:cNvPr id="1" name=""/>
+        <p:cNvGrpSpPr/>
+        <p:nvPr/>
+      </p:nvGrpSpPr>
+      <p:grpSpPr>
+        <a:xfrm>
+          <a:off x="0" y="0"/>
+          <a:ext cx="0" cy="0"/>
+          <a:chOff x="0" y="0"/>
+          <a:chExt cx="0" cy="0"/>
+        </a:xfrm>
+      </p:grpSpPr>
+      <p:sp>
+        <p:nvSpPr>
+          <p:cNvPr id="2" name="Titel 1">
+            <a:extLst>
+              <a:ext uri="{FF2B5EF4-FFF2-40B4-BE49-F238E27FC236}">
+                <a16:creationId xmlns:a16="http://schemas.microsoft.com/office/drawing/2014/main" id="{5D6261BF-9EA1-420D-8DBD-734C27469823}"/>
+              </a:ext>
+            </a:extLst>
+          </p:cNvPr>
+          <p:cNvSpPr>
+            <a:spLocks noGrp="1"/>
+          </p:cNvSpPr>
+          <p:nvPr>
+            <p:ph type="title"/>
+          </p:nvPr>
+        </p:nvSpPr>
+        <p:spPr/>
+        <p:txBody>
+          <a:bodyPr/>
+          <a:lstStyle/>
+          <a:p>
+            <a:r>
+              <a:rPr lang="de-CH" dirty="0"/>
+              <a:t>Beteiligte Personen</a:t>
+            </a:r>
+          </a:p>
+        </p:txBody>
+      </p:sp>
+      <p:sp>
+        <p:nvSpPr>
+          <p:cNvPr id="3" name="Inhaltsplatzhalter 2">
+            <a:extLst>
+              <a:ext uri="{FF2B5EF4-FFF2-40B4-BE49-F238E27FC236}">
+                <a16:creationId xmlns:a16="http://schemas.microsoft.com/office/drawing/2014/main" id="{4E204EBB-F691-49C3-8985-A4CE3F8A1C6B}"/>
+              </a:ext>
+            </a:extLst>
+          </p:cNvPr>
+          <p:cNvSpPr>
+            <a:spLocks noGrp="1"/>
+          </p:cNvSpPr>
+          <p:nvPr>
+            <p:ph idx="1"/>
+          </p:nvPr>
+        </p:nvSpPr>
+        <p:spPr/>
+        <p:txBody>
+          <a:bodyPr/>
+          <a:lstStyle/>
+          <a:p>
+            <a:r>
+              <a:rPr lang="de-CH" dirty="0"/>
+              <a:t>Herr Loosli – Auftraggeber, </a:t>
+            </a:r>
+            <a:r>
+              <a:rPr lang="de-CH" dirty="0" err="1"/>
+              <a:t>Product</a:t>
+            </a:r>
+            <a:r>
+              <a:rPr lang="de-CH" dirty="0"/>
+              <a:t> </a:t>
+            </a:r>
+            <a:r>
+              <a:rPr lang="de-CH" dirty="0" err="1"/>
+              <a:t>Owner</a:t>
+            </a:r>
+            <a:endParaRPr lang="de-CH" dirty="0"/>
+          </a:p>
+          <a:p>
+            <a:r>
+              <a:rPr lang="de-CH" dirty="0"/>
+              <a:t>Daniel Peters – Teamleiter, Web </a:t>
+            </a:r>
+            <a:r>
+              <a:rPr lang="de-CH" dirty="0" err="1"/>
+              <a:t>developer</a:t>
+            </a:r>
+            <a:r>
+              <a:rPr lang="de-CH" dirty="0"/>
+              <a:t> (</a:t>
+            </a:r>
+            <a:r>
+              <a:rPr lang="de-CH" dirty="0" err="1"/>
+              <a:t>Javascript</a:t>
+            </a:r>
+            <a:r>
+              <a:rPr lang="de-CH" dirty="0"/>
+              <a:t>, Java, PHP)</a:t>
+            </a:r>
+          </a:p>
+          <a:p>
+            <a:r>
+              <a:rPr lang="de-CH" dirty="0"/>
+              <a:t>Timothy Hill – Web Developer (PHP), Asset Designer</a:t>
+            </a:r>
+          </a:p>
+          <a:p>
+            <a:endParaRPr lang="de-CH" dirty="0"/>
+          </a:p>
+        </p:txBody>
+      </p:sp>
+    </p:spTree>
+    <p:extLst>
+      <p:ext uri="{BB962C8B-B14F-4D97-AF65-F5344CB8AC3E}">
+        <p14:creationId xmlns:p14="http://schemas.microsoft.com/office/powerpoint/2010/main" val="742915758"/>
+      </p:ext>
+    </p:extLst>
+  </p:cSld>
+  <p:clrMapOvr>
+    <a:masterClrMapping/>
+  </p:clrMapOvr>
+</p:sld>
+</file>
+
 <file path=ppt/slides/slide2.xml><?xml version="1.0" encoding="utf-8"?>
 <p:sld xmlns:a="http://schemas.openxmlformats.org/drawingml/2006/main" xmlns:r="http://schemas.openxmlformats.org/officeDocument/2006/relationships" xmlns:p="http://schemas.openxmlformats.org/presentationml/2006/main">
   <p:cSld>
@@ -3340,7 +3476,7 @@
           <p:cNvPr id="2" name="Titel 1">
             <a:extLst>
               <a:ext uri="{FF2B5EF4-FFF2-40B4-BE49-F238E27FC236}">
-                <a16:creationId xmlns:a16="http://schemas.microsoft.com/office/drawing/2014/main" id="{EE383781-4002-4713-832D-B55A8204CAC0}"/>
+                <a16:creationId xmlns:a16="http://schemas.microsoft.com/office/drawing/2014/main" id="{65C66C13-8252-407D-9DA8-8087FE40F639}"/>
               </a:ext>
             </a:extLst>
           </p:cNvPr>
@@ -3358,7 +3494,7 @@
           <a:p>
             <a:r>
               <a:rPr lang="de-CH" dirty="0" err="1"/>
-              <a:t>VISIOn</a:t>
+              <a:t>ProblemBeschreibung</a:t>
             </a:r>
             <a:endParaRPr lang="de-CH" dirty="0"/>
           </a:p>
@@ -3369,7 +3505,7 @@
           <p:cNvPr id="3" name="Inhaltsplatzhalter 2">
             <a:extLst>
               <a:ext uri="{FF2B5EF4-FFF2-40B4-BE49-F238E27FC236}">
-                <a16:creationId xmlns:a16="http://schemas.microsoft.com/office/drawing/2014/main" id="{E60AF2C0-40A9-423B-B742-DA990081767C}"/>
+                <a16:creationId xmlns:a16="http://schemas.microsoft.com/office/drawing/2014/main" id="{6E0A3CF4-8F36-4DC6-BB1A-43AA91B763AB}"/>
               </a:ext>
             </a:extLst>
           </p:cNvPr>
@@ -3387,43 +3523,13 @@
           <a:p>
             <a:r>
               <a:rPr lang="de-CH" dirty="0"/>
-              <a:t>Wir bieten intelligente, unkomplizierte Notizenverwaltung</a:t>
+              <a:t>Wir wollen ein Notizentool entwickeln, das sich auf Notizenverwaltung konzentriert. </a:t>
             </a:r>
           </a:p>
           <a:p>
             <a:r>
               <a:rPr lang="de-CH" dirty="0"/>
-              <a:t>Kunden können ihre Notizen sortieren und gruppieren</a:t>
-            </a:r>
-          </a:p>
-          <a:p>
-            <a:r>
-              <a:rPr lang="de-CH" dirty="0"/>
-              <a:t>Spezialfeature: </a:t>
-            </a:r>
-            <a:r>
-              <a:rPr lang="de-CH" dirty="0" err="1"/>
-              <a:t>Pinboard</a:t>
-            </a:r>
-            <a:r>
-              <a:rPr lang="de-CH" dirty="0"/>
-              <a:t> – Mit </a:t>
-            </a:r>
-            <a:r>
-              <a:rPr lang="de-CH" dirty="0" err="1"/>
-              <a:t>drag</a:t>
-            </a:r>
-            <a:r>
-              <a:rPr lang="de-CH" dirty="0"/>
-              <a:t> and </a:t>
-            </a:r>
-            <a:r>
-              <a:rPr lang="de-CH" dirty="0" err="1"/>
-              <a:t>drop</a:t>
-            </a:r>
-            <a:r>
-              <a:rPr lang="de-CH" dirty="0"/>
-              <a:t> eine Notiz auf ein öffentliches / Gruppen Notizbrett hängen um wichtige Notizen zu teilen.</a:t>
+              <a:t>Die Applikation soll Webbasiert und Multiuser fähig sein.</a:t>
             </a:r>
           </a:p>
         </p:txBody>
@@ -3431,7 +3537,7 @@
     </p:spTree>
     <p:extLst>
       <p:ext uri="{BB962C8B-B14F-4D97-AF65-F5344CB8AC3E}">
-        <p14:creationId xmlns:p14="http://schemas.microsoft.com/office/powerpoint/2010/main" val="1268124199"/>
+        <p14:creationId xmlns:p14="http://schemas.microsoft.com/office/powerpoint/2010/main" val="147512115"/>
       </p:ext>
     </p:extLst>
   </p:cSld>
@@ -3463,7 +3569,7 @@
           <p:cNvPr id="2" name="Titel 1">
             <a:extLst>
               <a:ext uri="{FF2B5EF4-FFF2-40B4-BE49-F238E27FC236}">
-                <a16:creationId xmlns:a16="http://schemas.microsoft.com/office/drawing/2014/main" id="{4C0436B2-A5AD-42A1-BA73-985BD3AA5D0E}"/>
+                <a16:creationId xmlns:a16="http://schemas.microsoft.com/office/drawing/2014/main" id="{EE383781-4002-4713-832D-B55A8204CAC0}"/>
               </a:ext>
             </a:extLst>
           </p:cNvPr>
@@ -3480,9 +3586,10 @@
           <a:lstStyle/>
           <a:p>
             <a:r>
-              <a:rPr lang="de-CH" dirty="0"/>
-              <a:t>Vorteile</a:t>
-            </a:r>
+              <a:rPr lang="de-CH" dirty="0" err="1"/>
+              <a:t>VISIOn</a:t>
+            </a:r>
+            <a:endParaRPr lang="de-CH" dirty="0"/>
           </a:p>
         </p:txBody>
       </p:sp>
@@ -3491,7 +3598,7 @@
           <p:cNvPr id="3" name="Inhaltsplatzhalter 2">
             <a:extLst>
               <a:ext uri="{FF2B5EF4-FFF2-40B4-BE49-F238E27FC236}">
-                <a16:creationId xmlns:a16="http://schemas.microsoft.com/office/drawing/2014/main" id="{8E85A4FA-57F7-4DB2-9322-D2117BA1FC9A}"/>
+                <a16:creationId xmlns:a16="http://schemas.microsoft.com/office/drawing/2014/main" id="{E60AF2C0-40A9-423B-B742-DA990081767C}"/>
               </a:ext>
             </a:extLst>
           </p:cNvPr>
@@ -3509,36 +3616,51 @@
           <a:p>
             <a:r>
               <a:rPr lang="de-CH" dirty="0"/>
-              <a:t>Ständige Verfügbarkeit in der Cloud</a:t>
+              <a:t>Wir bieten intelligente, unkomplizierte Notizenverwaltung</a:t>
             </a:r>
           </a:p>
           <a:p>
             <a:r>
               <a:rPr lang="de-CH" dirty="0"/>
-              <a:t>Innovatives Pinnwand Feature</a:t>
+              <a:t>Kunden können ihre Notizen sortieren und gruppieren</a:t>
             </a:r>
           </a:p>
           <a:p>
             <a:r>
               <a:rPr lang="de-CH" dirty="0"/>
-              <a:t>Schlankes Design</a:t>
-            </a:r>
-          </a:p>
-          <a:p>
+              <a:t>Spezialfeature: </a:t>
+            </a:r>
+            <a:r>
+              <a:rPr lang="de-CH" dirty="0" err="1"/>
+              <a:t>Pinboard</a:t>
+            </a:r>
             <a:r>
               <a:rPr lang="de-CH" dirty="0"/>
-              <a:t>Temporäre Public Notizen ohne Registrierung</a:t>
-            </a:r>
-          </a:p>
-          <a:p>
-            <a:endParaRPr lang="de-CH" dirty="0"/>
+              <a:t> – Mit </a:t>
+            </a:r>
+            <a:r>
+              <a:rPr lang="de-CH" dirty="0" err="1"/>
+              <a:t>drag</a:t>
+            </a:r>
+            <a:r>
+              <a:rPr lang="de-CH" dirty="0"/>
+              <a:t> and </a:t>
+            </a:r>
+            <a:r>
+              <a:rPr lang="de-CH" dirty="0" err="1"/>
+              <a:t>drop</a:t>
+            </a:r>
+            <a:r>
+              <a:rPr lang="de-CH" dirty="0"/>
+              <a:t> eine Notiz auf ein öffentliches / Gruppen Notizbrett hängen um wichtige Notizen zu teilen.</a:t>
+            </a:r>
           </a:p>
         </p:txBody>
       </p:sp>
     </p:spTree>
     <p:extLst>
       <p:ext uri="{BB962C8B-B14F-4D97-AF65-F5344CB8AC3E}">
-        <p14:creationId xmlns:p14="http://schemas.microsoft.com/office/powerpoint/2010/main" val="2986951258"/>
+        <p14:creationId xmlns:p14="http://schemas.microsoft.com/office/powerpoint/2010/main" val="1268124199"/>
       </p:ext>
     </p:extLst>
   </p:cSld>
@@ -3570,7 +3692,7 @@
           <p:cNvPr id="2" name="Titel 1">
             <a:extLst>
               <a:ext uri="{FF2B5EF4-FFF2-40B4-BE49-F238E27FC236}">
-                <a16:creationId xmlns:a16="http://schemas.microsoft.com/office/drawing/2014/main" id="{D464FE86-2F35-4655-9C69-43DAFE2C6250}"/>
+                <a16:creationId xmlns:a16="http://schemas.microsoft.com/office/drawing/2014/main" id="{4C0436B2-A5AD-42A1-BA73-985BD3AA5D0E}"/>
               </a:ext>
             </a:extLst>
           </p:cNvPr>
@@ -3588,7 +3710,7 @@
           <a:p>
             <a:r>
               <a:rPr lang="de-CH" dirty="0"/>
-              <a:t>Risiken</a:t>
+              <a:t>Vorteile</a:t>
             </a:r>
           </a:p>
         </p:txBody>
@@ -3598,7 +3720,7 @@
           <p:cNvPr id="3" name="Inhaltsplatzhalter 2">
             <a:extLst>
               <a:ext uri="{FF2B5EF4-FFF2-40B4-BE49-F238E27FC236}">
-                <a16:creationId xmlns:a16="http://schemas.microsoft.com/office/drawing/2014/main" id="{9EA337A4-7D0A-4CF8-8205-CC6F32B7369E}"/>
+                <a16:creationId xmlns:a16="http://schemas.microsoft.com/office/drawing/2014/main" id="{8E85A4FA-57F7-4DB2-9322-D2117BA1FC9A}"/>
               </a:ext>
             </a:extLst>
           </p:cNvPr>
@@ -3616,13 +3738,25 @@
           <a:p>
             <a:r>
               <a:rPr lang="de-CH" dirty="0"/>
-              <a:t>Unbekanntes Entwicklerteam</a:t>
+              <a:t>Ständige Verfügbarkeit in der Cloud</a:t>
             </a:r>
           </a:p>
           <a:p>
             <a:r>
               <a:rPr lang="de-CH" dirty="0"/>
-              <a:t>Grosse Konkurrenz</a:t>
+              <a:t>Innovatives Pinnwand Feature</a:t>
+            </a:r>
+          </a:p>
+          <a:p>
+            <a:r>
+              <a:rPr lang="de-CH" dirty="0"/>
+              <a:t>Schlankes Design</a:t>
+            </a:r>
+          </a:p>
+          <a:p>
+            <a:r>
+              <a:rPr lang="de-CH" dirty="0"/>
+              <a:t>Temporäre Public Notizen ohne Registrierung</a:t>
             </a:r>
           </a:p>
           <a:p>
@@ -3633,7 +3767,7 @@
     </p:spTree>
     <p:extLst>
       <p:ext uri="{BB962C8B-B14F-4D97-AF65-F5344CB8AC3E}">
-        <p14:creationId xmlns:p14="http://schemas.microsoft.com/office/powerpoint/2010/main" val="1903500431"/>
+        <p14:creationId xmlns:p14="http://schemas.microsoft.com/office/powerpoint/2010/main" val="2986951258"/>
       </p:ext>
     </p:extLst>
   </p:cSld>
@@ -3665,7 +3799,7 @@
           <p:cNvPr id="2" name="Titel 1">
             <a:extLst>
               <a:ext uri="{FF2B5EF4-FFF2-40B4-BE49-F238E27FC236}">
-                <a16:creationId xmlns:a16="http://schemas.microsoft.com/office/drawing/2014/main" id="{79E4016F-A2EA-4DB2-AE4F-EABE97A5213F}"/>
+                <a16:creationId xmlns:a16="http://schemas.microsoft.com/office/drawing/2014/main" id="{D464FE86-2F35-4655-9C69-43DAFE2C6250}"/>
               </a:ext>
             </a:extLst>
           </p:cNvPr>
@@ -3682,10 +3816,9 @@
           <a:lstStyle/>
           <a:p>
             <a:r>
-              <a:rPr lang="de-CH" dirty="0" err="1"/>
-              <a:t>KonKurrenz</a:t>
-            </a:r>
-            <a:endParaRPr lang="de-CH" dirty="0"/>
+              <a:rPr lang="de-CH" dirty="0"/>
+              <a:t>Risiken</a:t>
+            </a:r>
           </a:p>
         </p:txBody>
       </p:sp>
@@ -3694,7 +3827,7 @@
           <p:cNvPr id="3" name="Inhaltsplatzhalter 2">
             <a:extLst>
               <a:ext uri="{FF2B5EF4-FFF2-40B4-BE49-F238E27FC236}">
-                <a16:creationId xmlns:a16="http://schemas.microsoft.com/office/drawing/2014/main" id="{806134F8-3F52-4522-8607-93ECEE6DCD25}"/>
+                <a16:creationId xmlns:a16="http://schemas.microsoft.com/office/drawing/2014/main" id="{9EA337A4-7D0A-4CF8-8205-CC6F32B7369E}"/>
               </a:ext>
             </a:extLst>
           </p:cNvPr>
@@ -3712,36 +3845,24 @@
           <a:p>
             <a:r>
               <a:rPr lang="de-CH" dirty="0"/>
-              <a:t>Microsoft OneNote</a:t>
+              <a:t>Unbekanntes Entwicklerteam</a:t>
             </a:r>
           </a:p>
           <a:p>
             <a:r>
               <a:rPr lang="de-CH" dirty="0"/>
-              <a:t>Google Keep</a:t>
-            </a:r>
-          </a:p>
-          <a:p>
-            <a:r>
-              <a:rPr lang="de-CH" dirty="0"/>
-              <a:t>Evernote</a:t>
+              <a:t>Grosse Konkurrenz</a:t>
             </a:r>
           </a:p>
           <a:p>
             <a:endParaRPr lang="de-CH" dirty="0"/>
-          </a:p>
-          <a:p>
-            <a:r>
-              <a:rPr lang="de-CH" dirty="0"/>
-              <a:t>Die Konkurrenz hat sehr ausgereifte Produkte. Unter den Bekanntesten Anbietern gibt es jedoch meist keine Möglichkeit. Temporäre Notizen ohne Login zu erstellen. Auch sind sie nicht alle nur auf das Wesentliche beschränkt.</a:t>
-            </a:r>
           </a:p>
         </p:txBody>
       </p:sp>
     </p:spTree>
     <p:extLst>
       <p:ext uri="{BB962C8B-B14F-4D97-AF65-F5344CB8AC3E}">
-        <p14:creationId xmlns:p14="http://schemas.microsoft.com/office/powerpoint/2010/main" val="1198612703"/>
+        <p14:creationId xmlns:p14="http://schemas.microsoft.com/office/powerpoint/2010/main" val="1903500431"/>
       </p:ext>
     </p:extLst>
   </p:cSld>
@@ -3773,7 +3894,7 @@
           <p:cNvPr id="2" name="Titel 1">
             <a:extLst>
               <a:ext uri="{FF2B5EF4-FFF2-40B4-BE49-F238E27FC236}">
-                <a16:creationId xmlns:a16="http://schemas.microsoft.com/office/drawing/2014/main" id="{4C195676-F8D0-4E3F-B41F-2342A013444E}"/>
+                <a16:creationId xmlns:a16="http://schemas.microsoft.com/office/drawing/2014/main" id="{79E4016F-A2EA-4DB2-AE4F-EABE97A5213F}"/>
               </a:ext>
             </a:extLst>
           </p:cNvPr>
@@ -3790,9 +3911,10 @@
           <a:lstStyle/>
           <a:p>
             <a:r>
-              <a:rPr lang="de-CH" dirty="0"/>
-              <a:t>Verwendete Technologien</a:t>
-            </a:r>
+              <a:rPr lang="de-CH" dirty="0" err="1"/>
+              <a:t>KonKurrenz</a:t>
+            </a:r>
+            <a:endParaRPr lang="de-CH" dirty="0"/>
           </a:p>
         </p:txBody>
       </p:sp>
@@ -3801,7 +3923,7 @@
           <p:cNvPr id="3" name="Inhaltsplatzhalter 2">
             <a:extLst>
               <a:ext uri="{FF2B5EF4-FFF2-40B4-BE49-F238E27FC236}">
-                <a16:creationId xmlns:a16="http://schemas.microsoft.com/office/drawing/2014/main" id="{1C84167A-8B82-4BB3-8B1E-EA1B98FEE9AE}"/>
+                <a16:creationId xmlns:a16="http://schemas.microsoft.com/office/drawing/2014/main" id="{806134F8-3F52-4522-8607-93ECEE6DCD25}"/>
               </a:ext>
             </a:extLst>
           </p:cNvPr>
@@ -3818,18 +3940,29 @@
           <a:lstStyle/>
           <a:p>
             <a:r>
-              <a:rPr lang="de-CH" dirty="0" err="1"/>
-              <a:t>Javascript</a:t>
-            </a:r>
-            <a:r>
               <a:rPr lang="de-CH" dirty="0"/>
-              <a:t>, HTML, CSS – Client Side</a:t>
+              <a:t>Microsoft OneNote</a:t>
             </a:r>
           </a:p>
           <a:p>
             <a:r>
               <a:rPr lang="de-CH" dirty="0"/>
-              <a:t>PHP – Server Side</a:t>
+              <a:t>Google Keep</a:t>
+            </a:r>
+          </a:p>
+          <a:p>
+            <a:r>
+              <a:rPr lang="de-CH" dirty="0"/>
+              <a:t>Evernote</a:t>
+            </a:r>
+          </a:p>
+          <a:p>
+            <a:endParaRPr lang="de-CH" dirty="0"/>
+          </a:p>
+          <a:p>
+            <a:r>
+              <a:rPr lang="de-CH" dirty="0"/>
+              <a:t>Die Konkurrenz hat sehr ausgereifte Produkte. Unter den Bekanntesten Anbietern gibt es jedoch meist keine Möglichkeit. Temporäre Notizen ohne Login zu erstellen. Auch sind sie nicht alle nur auf das Wesentliche beschränkt.</a:t>
             </a:r>
           </a:p>
         </p:txBody>
@@ -3837,7 +3970,7 @@
     </p:spTree>
     <p:extLst>
       <p:ext uri="{BB962C8B-B14F-4D97-AF65-F5344CB8AC3E}">
-        <p14:creationId xmlns:p14="http://schemas.microsoft.com/office/powerpoint/2010/main" val="3326617911"/>
+        <p14:creationId xmlns:p14="http://schemas.microsoft.com/office/powerpoint/2010/main" val="1198612703"/>
       </p:ext>
     </p:extLst>
   </p:cSld>
@@ -3869,7 +4002,7 @@
           <p:cNvPr id="2" name="Titel 1">
             <a:extLst>
               <a:ext uri="{FF2B5EF4-FFF2-40B4-BE49-F238E27FC236}">
-                <a16:creationId xmlns:a16="http://schemas.microsoft.com/office/drawing/2014/main" id="{3304AFFE-8E08-4AB4-8504-2F9A6CA82163}"/>
+                <a16:creationId xmlns:a16="http://schemas.microsoft.com/office/drawing/2014/main" id="{4C195676-F8D0-4E3F-B41F-2342A013444E}"/>
               </a:ext>
             </a:extLst>
           </p:cNvPr>
@@ -3887,7 +4020,7 @@
           <a:p>
             <a:r>
               <a:rPr lang="de-CH" dirty="0"/>
-              <a:t>Kosten &amp; Dauer</a:t>
+              <a:t>Verwendete Technologien</a:t>
             </a:r>
           </a:p>
         </p:txBody>
@@ -3897,7 +4030,7 @@
           <p:cNvPr id="3" name="Inhaltsplatzhalter 2">
             <a:extLst>
               <a:ext uri="{FF2B5EF4-FFF2-40B4-BE49-F238E27FC236}">
-                <a16:creationId xmlns:a16="http://schemas.microsoft.com/office/drawing/2014/main" id="{9BA84201-239C-4643-B227-9EA3724813DA}"/>
+                <a16:creationId xmlns:a16="http://schemas.microsoft.com/office/drawing/2014/main" id="{1C84167A-8B82-4BB3-8B1E-EA1B98FEE9AE}"/>
               </a:ext>
             </a:extLst>
           </p:cNvPr>
@@ -3914,20 +4047,18 @@
           <a:lstStyle/>
           <a:p>
             <a:r>
+              <a:rPr lang="de-CH" dirty="0" err="1"/>
+              <a:t>Javascript</a:t>
+            </a:r>
+            <a:r>
               <a:rPr lang="de-CH" dirty="0"/>
-              <a:t>Kosten Entwicklung pro Woche: CHF 260.-</a:t>
+              <a:t>, HTML, CSS – Client Side</a:t>
             </a:r>
           </a:p>
           <a:p>
             <a:r>
               <a:rPr lang="de-CH" dirty="0"/>
-              <a:t>Prognostizierte Projektdauer: 4 Wochen</a:t>
-            </a:r>
-          </a:p>
-          <a:p>
-            <a:r>
-              <a:rPr lang="de-CH" dirty="0"/>
-              <a:t>Gesamtpreis: CHF 1040.-</a:t>
+              <a:t>PHP – Server Side</a:t>
             </a:r>
           </a:p>
         </p:txBody>
@@ -3935,7 +4066,7 @@
     </p:spTree>
     <p:extLst>
       <p:ext uri="{BB962C8B-B14F-4D97-AF65-F5344CB8AC3E}">
-        <p14:creationId xmlns:p14="http://schemas.microsoft.com/office/powerpoint/2010/main" val="79898351"/>
+        <p14:creationId xmlns:p14="http://schemas.microsoft.com/office/powerpoint/2010/main" val="3326617911"/>
       </p:ext>
     </p:extLst>
   </p:cSld>
@@ -3967,7 +4098,7 @@
           <p:cNvPr id="2" name="Titel 1">
             <a:extLst>
               <a:ext uri="{FF2B5EF4-FFF2-40B4-BE49-F238E27FC236}">
-                <a16:creationId xmlns:a16="http://schemas.microsoft.com/office/drawing/2014/main" id="{E5AC6F56-F5DB-48BC-81F1-A6E3CA7FBFAD}"/>
+                <a16:creationId xmlns:a16="http://schemas.microsoft.com/office/drawing/2014/main" id="{3304AFFE-8E08-4AB4-8504-2F9A6CA82163}"/>
               </a:ext>
             </a:extLst>
           </p:cNvPr>
@@ -3984,10 +4115,9 @@
           <a:lstStyle/>
           <a:p>
             <a:r>
-              <a:rPr lang="de-CH" dirty="0" err="1"/>
-              <a:t>marketing</a:t>
-            </a:r>
-            <a:endParaRPr lang="de-CH" dirty="0"/>
+              <a:rPr lang="de-CH" dirty="0"/>
+              <a:t>Kosten &amp; Dauer</a:t>
+            </a:r>
           </a:p>
         </p:txBody>
       </p:sp>
@@ -3996,7 +4126,7 @@
           <p:cNvPr id="3" name="Inhaltsplatzhalter 2">
             <a:extLst>
               <a:ext uri="{FF2B5EF4-FFF2-40B4-BE49-F238E27FC236}">
-                <a16:creationId xmlns:a16="http://schemas.microsoft.com/office/drawing/2014/main" id="{0E36A4F0-53F2-4E02-AB2F-60D6D0E90053}"/>
+                <a16:creationId xmlns:a16="http://schemas.microsoft.com/office/drawing/2014/main" id="{9BA84201-239C-4643-B227-9EA3724813DA}"/>
               </a:ext>
             </a:extLst>
           </p:cNvPr>
@@ -4013,18 +4143,20 @@
           <a:lstStyle/>
           <a:p>
             <a:r>
-              <a:rPr lang="de-CH" dirty="0" err="1"/>
-              <a:t>Social</a:t>
-            </a:r>
-            <a:r>
               <a:rPr lang="de-CH" dirty="0"/>
-              <a:t> Media Präsenz</a:t>
+              <a:t>Kosten Entwicklung pro Woche: CHF 260.-</a:t>
             </a:r>
           </a:p>
           <a:p>
             <a:r>
               <a:rPr lang="de-CH" dirty="0"/>
-              <a:t>SEO Optimierung auf Google</a:t>
+              <a:t>Prognostizierte Projektdauer: 4 Wochen</a:t>
+            </a:r>
+          </a:p>
+          <a:p>
+            <a:r>
+              <a:rPr lang="de-CH" dirty="0"/>
+              <a:t>Gesamtpreis: CHF 1040.-</a:t>
             </a:r>
           </a:p>
         </p:txBody>
@@ -4032,7 +4164,7 @@
     </p:spTree>
     <p:extLst>
       <p:ext uri="{BB962C8B-B14F-4D97-AF65-F5344CB8AC3E}">
-        <p14:creationId xmlns:p14="http://schemas.microsoft.com/office/powerpoint/2010/main" val="1642365974"/>
+        <p14:creationId xmlns:p14="http://schemas.microsoft.com/office/powerpoint/2010/main" val="79898351"/>
       </p:ext>
     </p:extLst>
   </p:cSld>
@@ -4064,7 +4196,7 @@
           <p:cNvPr id="2" name="Titel 1">
             <a:extLst>
               <a:ext uri="{FF2B5EF4-FFF2-40B4-BE49-F238E27FC236}">
-                <a16:creationId xmlns:a16="http://schemas.microsoft.com/office/drawing/2014/main" id="{5D6261BF-9EA1-420D-8DBD-734C27469823}"/>
+                <a16:creationId xmlns:a16="http://schemas.microsoft.com/office/drawing/2014/main" id="{E5AC6F56-F5DB-48BC-81F1-A6E3CA7FBFAD}"/>
               </a:ext>
             </a:extLst>
           </p:cNvPr>
@@ -4081,9 +4213,10 @@
           <a:lstStyle/>
           <a:p>
             <a:r>
-              <a:rPr lang="de-CH" dirty="0"/>
-              <a:t>Beteiligte Personen</a:t>
-            </a:r>
+              <a:rPr lang="de-CH" dirty="0" err="1"/>
+              <a:t>marketing</a:t>
+            </a:r>
+            <a:endParaRPr lang="de-CH" dirty="0"/>
           </a:p>
         </p:txBody>
       </p:sp>
@@ -4092,7 +4225,7 @@
           <p:cNvPr id="3" name="Inhaltsplatzhalter 2">
             <a:extLst>
               <a:ext uri="{FF2B5EF4-FFF2-40B4-BE49-F238E27FC236}">
-                <a16:creationId xmlns:a16="http://schemas.microsoft.com/office/drawing/2014/main" id="{4E204EBB-F691-49C3-8985-A4CE3F8A1C6B}"/>
+                <a16:creationId xmlns:a16="http://schemas.microsoft.com/office/drawing/2014/main" id="{0E36A4F0-53F2-4E02-AB2F-60D6D0E90053}"/>
               </a:ext>
             </a:extLst>
           </p:cNvPr>
@@ -4109,60 +4242,26 @@
           <a:lstStyle/>
           <a:p>
             <a:r>
+              <a:rPr lang="de-CH" dirty="0" err="1"/>
+              <a:t>Social</a:t>
+            </a:r>
+            <a:r>
               <a:rPr lang="de-CH" dirty="0"/>
-              <a:t>Herr Loosli – Auftraggeber, </a:t>
-            </a:r>
-            <a:r>
-              <a:rPr lang="de-CH" dirty="0" err="1"/>
-              <a:t>Product</a:t>
-            </a:r>
+              <a:t> Media Präsenz</a:t>
+            </a:r>
+          </a:p>
+          <a:p>
             <a:r>
               <a:rPr lang="de-CH" dirty="0"/>
-              <a:t> </a:t>
-            </a:r>
-            <a:r>
-              <a:rPr lang="de-CH" dirty="0" err="1"/>
-              <a:t>Owner</a:t>
-            </a:r>
-            <a:endParaRPr lang="de-CH" dirty="0"/>
-          </a:p>
-          <a:p>
-            <a:r>
-              <a:rPr lang="de-CH" dirty="0"/>
-              <a:t>Daniel Peters – Teamleiter, Web </a:t>
-            </a:r>
-            <a:r>
-              <a:rPr lang="de-CH" dirty="0" err="1"/>
-              <a:t>developer</a:t>
-            </a:r>
-            <a:r>
-              <a:rPr lang="de-CH" dirty="0"/>
-              <a:t> (</a:t>
-            </a:r>
-            <a:r>
-              <a:rPr lang="de-CH" dirty="0" err="1"/>
-              <a:t>Javascript</a:t>
-            </a:r>
-            <a:r>
-              <a:rPr lang="de-CH" dirty="0"/>
-              <a:t>, Java, PHP)</a:t>
-            </a:r>
-          </a:p>
-          <a:p>
-            <a:r>
-              <a:rPr lang="de-CH" dirty="0"/>
-              <a:t>Timothy Hill – Web Developer (PHP), Asset Designer</a:t>
-            </a:r>
-          </a:p>
-          <a:p>
-            <a:endParaRPr lang="de-CH" dirty="0"/>
+              <a:t>SEO Optimierung auf Google</a:t>
+            </a:r>
           </a:p>
         </p:txBody>
       </p:sp>
     </p:spTree>
     <p:extLst>
       <p:ext uri="{BB962C8B-B14F-4D97-AF65-F5344CB8AC3E}">
-        <p14:creationId xmlns:p14="http://schemas.microsoft.com/office/powerpoint/2010/main" val="742915758"/>
+        <p14:creationId xmlns:p14="http://schemas.microsoft.com/office/powerpoint/2010/main" val="1642365974"/>
       </p:ext>
     </p:extLst>
   </p:cSld>
